--- a/Week13/05 Pet Park - Create Table data.pptx
+++ b/Week13/05 Pet Park - Create Table data.pptx
@@ -114,6 +114,35 @@
 </p:presentation>
 </file>
 
+<file path=ppt/changesInfos/changesInfo1.xml><?xml version="1.0" encoding="utf-8"?>
+<pc:chgInfo xmlns:a="http://schemas.openxmlformats.org/drawingml/2006/main" xmlns:r="http://schemas.openxmlformats.org/officeDocument/2006/relationships" xmlns:ac="http://schemas.microsoft.com/office/drawing/2013/main/command" xmlns:pc="http://schemas.microsoft.com/office/powerpoint/2013/main/command">
+  <pc:docChgLst>
+    <pc:chgData name="Chuck Kiefriter" userId="a996b49251c4dfd2" providerId="LiveId" clId="{A142DCE9-4BEE-497A-9742-6C602D3BFC7A}"/>
+    <pc:docChg chg="modSld">
+      <pc:chgData name="Chuck Kiefriter" userId="a996b49251c4dfd2" providerId="LiveId" clId="{A142DCE9-4BEE-497A-9742-6C602D3BFC7A}" dt="2024-05-01T23:48:08.205" v="1" actId="1076"/>
+      <pc:docMkLst>
+        <pc:docMk/>
+      </pc:docMkLst>
+      <pc:sldChg chg="modSp mod">
+        <pc:chgData name="Chuck Kiefriter" userId="a996b49251c4dfd2" providerId="LiveId" clId="{A142DCE9-4BEE-497A-9742-6C602D3BFC7A}" dt="2024-05-01T23:48:08.205" v="1" actId="1076"/>
+        <pc:sldMkLst>
+          <pc:docMk/>
+          <pc:sldMk cId="1049930682" sldId="257"/>
+        </pc:sldMkLst>
+        <pc:spChg chg="mod">
+          <ac:chgData name="Chuck Kiefriter" userId="a996b49251c4dfd2" providerId="LiveId" clId="{A142DCE9-4BEE-497A-9742-6C602D3BFC7A}" dt="2024-05-01T23:48:08.205" v="1" actId="1076"/>
+          <ac:spMkLst>
+            <pc:docMk/>
+            <pc:sldMk cId="1049930682" sldId="257"/>
+            <ac:spMk id="3" creationId="{5C7EAABE-A929-5323-F30D-ED501B3FDE7C}"/>
+          </ac:spMkLst>
+        </pc:spChg>
+      </pc:sldChg>
+    </pc:docChg>
+  </pc:docChgLst>
+</pc:chgInfo>
+</file>
+
 <file path=ppt/slideLayouts/slideLayout1.xml><?xml version="1.0" encoding="utf-8"?>
 <p:sldLayout xmlns:a="http://schemas.openxmlformats.org/drawingml/2006/main" xmlns:r="http://schemas.openxmlformats.org/officeDocument/2006/relationships" xmlns:p="http://schemas.openxmlformats.org/presentationml/2006/main" type="title" preserve="1">
   <p:cSld name="Title Slide">
@@ -245,7 +274,7 @@
           <a:p>
             <a:fld id="{68E17240-D37B-449A-9A4A-2A773EE4C2B0}" type="datetimeFigureOut">
               <a:rPr lang="en-US" smtClean="0"/>
-              <a:t>10/17/2022</a:t>
+              <a:t>5/1/2024</a:t>
             </a:fld>
             <a:endParaRPr lang="en-US"/>
           </a:p>
@@ -415,7 +444,7 @@
           <a:p>
             <a:fld id="{68E17240-D37B-449A-9A4A-2A773EE4C2B0}" type="datetimeFigureOut">
               <a:rPr lang="en-US" smtClean="0"/>
-              <a:t>10/17/2022</a:t>
+              <a:t>5/1/2024</a:t>
             </a:fld>
             <a:endParaRPr lang="en-US"/>
           </a:p>
@@ -595,7 +624,7 @@
           <a:p>
             <a:fld id="{68E17240-D37B-449A-9A4A-2A773EE4C2B0}" type="datetimeFigureOut">
               <a:rPr lang="en-US" smtClean="0"/>
-              <a:t>10/17/2022</a:t>
+              <a:t>5/1/2024</a:t>
             </a:fld>
             <a:endParaRPr lang="en-US"/>
           </a:p>
@@ -765,7 +794,7 @@
           <a:p>
             <a:fld id="{68E17240-D37B-449A-9A4A-2A773EE4C2B0}" type="datetimeFigureOut">
               <a:rPr lang="en-US" smtClean="0"/>
-              <a:t>10/17/2022</a:t>
+              <a:t>5/1/2024</a:t>
             </a:fld>
             <a:endParaRPr lang="en-US"/>
           </a:p>
@@ -1011,7 +1040,7 @@
           <a:p>
             <a:fld id="{68E17240-D37B-449A-9A4A-2A773EE4C2B0}" type="datetimeFigureOut">
               <a:rPr lang="en-US" smtClean="0"/>
-              <a:t>10/17/2022</a:t>
+              <a:t>5/1/2024</a:t>
             </a:fld>
             <a:endParaRPr lang="en-US"/>
           </a:p>
@@ -1243,7 +1272,7 @@
           <a:p>
             <a:fld id="{68E17240-D37B-449A-9A4A-2A773EE4C2B0}" type="datetimeFigureOut">
               <a:rPr lang="en-US" smtClean="0"/>
-              <a:t>10/17/2022</a:t>
+              <a:t>5/1/2024</a:t>
             </a:fld>
             <a:endParaRPr lang="en-US"/>
           </a:p>
@@ -1610,7 +1639,7 @@
           <a:p>
             <a:fld id="{68E17240-D37B-449A-9A4A-2A773EE4C2B0}" type="datetimeFigureOut">
               <a:rPr lang="en-US" smtClean="0"/>
-              <a:t>10/17/2022</a:t>
+              <a:t>5/1/2024</a:t>
             </a:fld>
             <a:endParaRPr lang="en-US"/>
           </a:p>
@@ -1728,7 +1757,7 @@
           <a:p>
             <a:fld id="{68E17240-D37B-449A-9A4A-2A773EE4C2B0}" type="datetimeFigureOut">
               <a:rPr lang="en-US" smtClean="0"/>
-              <a:t>10/17/2022</a:t>
+              <a:t>5/1/2024</a:t>
             </a:fld>
             <a:endParaRPr lang="en-US"/>
           </a:p>
@@ -1823,7 +1852,7 @@
           <a:p>
             <a:fld id="{68E17240-D37B-449A-9A4A-2A773EE4C2B0}" type="datetimeFigureOut">
               <a:rPr lang="en-US" smtClean="0"/>
-              <a:t>10/17/2022</a:t>
+              <a:t>5/1/2024</a:t>
             </a:fld>
             <a:endParaRPr lang="en-US"/>
           </a:p>
@@ -2100,7 +2129,7 @@
           <a:p>
             <a:fld id="{68E17240-D37B-449A-9A4A-2A773EE4C2B0}" type="datetimeFigureOut">
               <a:rPr lang="en-US" smtClean="0"/>
-              <a:t>10/17/2022</a:t>
+              <a:t>5/1/2024</a:t>
             </a:fld>
             <a:endParaRPr lang="en-US"/>
           </a:p>
@@ -2357,7 +2386,7 @@
           <a:p>
             <a:fld id="{68E17240-D37B-449A-9A4A-2A773EE4C2B0}" type="datetimeFigureOut">
               <a:rPr lang="en-US" smtClean="0"/>
-              <a:t>10/17/2022</a:t>
+              <a:t>5/1/2024</a:t>
             </a:fld>
             <a:endParaRPr lang="en-US"/>
           </a:p>
@@ -2570,7 +2599,7 @@
           <a:p>
             <a:fld id="{68E17240-D37B-449A-9A4A-2A773EE4C2B0}" type="datetimeFigureOut">
               <a:rPr lang="en-US" smtClean="0"/>
-              <a:t>10/17/2022</a:t>
+              <a:t>5/1/2024</a:t>
             </a:fld>
             <a:endParaRPr lang="en-US"/>
           </a:p>
@@ -3124,8 +3153,8 @@
         </p:nvSpPr>
         <p:spPr>
           <a:xfrm>
-            <a:off x="838200" y="1825625"/>
-            <a:ext cx="4508715" cy="4351338"/>
+            <a:off x="536448" y="1825625"/>
+            <a:ext cx="11826240" cy="4351338"/>
           </a:xfrm>
         </p:spPr>
         <p:txBody>
@@ -3172,12 +3201,20 @@
               <a:buNone/>
             </a:pPr>
             <a:r>
-              <a:rPr lang="en-US">
+              <a:rPr lang="en-US" dirty="0">
                 <a:solidFill>
                   <a:srgbClr val="00B0F0"/>
                 </a:solidFill>
               </a:rPr>
-              <a:t>   src</a:t>
+              <a:t>   </a:t>
+            </a:r>
+            <a:r>
+              <a:rPr lang="en-US" dirty="0" err="1">
+                <a:solidFill>
+                  <a:srgbClr val="00B0F0"/>
+                </a:solidFill>
+              </a:rPr>
+              <a:t>src</a:t>
             </a:r>
             <a:r>
               <a:rPr lang="en-US" dirty="0">
